--- a/Assignment_Resources/Methodology_Crypto.pptx
+++ b/Assignment_Resources/Methodology_Crypto.pptx
@@ -5,8 +5,7 @@
     <p:sldMasterId id="2147483648" r:id="rId1"/>
   </p:sldMasterIdLst>
   <p:sldIdLst>
-    <p:sldId id="256" r:id="rId2"/>
-    <p:sldId id="257" r:id="rId3"/>
+    <p:sldId id="257" r:id="rId2"/>
   </p:sldIdLst>
   <p:sldSz cx="12192000" cy="6858000"/>
   <p:notesSz cx="6858000" cy="9144000"/>
@@ -105,6 +104,11 @@
       </a:defRPr>
     </a:lvl9pPr>
   </p:defaultTextStyle>
+  <p:extLst>
+    <p:ext uri="{EFAFB233-063F-42B5-8137-9DF3F51BA10A}">
+      <p15:sldGuideLst xmlns:p15="http://schemas.microsoft.com/office/powerpoint/2012/main"/>
+    </p:ext>
+  </p:extLst>
 </p:presentation>
 </file>
 
@@ -3306,75 +3310,6 @@
 </file>
 
 <file path=ppt/slides/slide1.xml><?xml version="1.0" encoding="utf-8"?>
-<p:sld xmlns:a="http://schemas.openxmlformats.org/drawingml/2006/main" xmlns:r="http://schemas.openxmlformats.org/officeDocument/2006/relationships" xmlns:p="http://schemas.openxmlformats.org/presentationml/2006/main">
-  <p:cSld>
-    <p:spTree>
-      <p:nvGrpSpPr>
-        <p:cNvPr id="1" name=""/>
-        <p:cNvGrpSpPr/>
-        <p:nvPr/>
-      </p:nvGrpSpPr>
-      <p:grpSpPr>
-        <a:xfrm>
-          <a:off x="0" y="0"/>
-          <a:ext cx="0" cy="0"/>
-          <a:chOff x="0" y="0"/>
-          <a:chExt cx="0" cy="0"/>
-        </a:xfrm>
-      </p:grpSpPr>
-      <p:pic>
-        <p:nvPicPr>
-          <p:cNvPr id="5" name="Graphic 4" descr="Table">
-            <a:extLst>
-              <a:ext uri="{FF2B5EF4-FFF2-40B4-BE49-F238E27FC236}">
-                <a16:creationId xmlns:a16="http://schemas.microsoft.com/office/drawing/2014/main" id="{2E50D67E-AD64-4439-B3DF-37260D2266E4}"/>
-              </a:ext>
-            </a:extLst>
-          </p:cNvPr>
-          <p:cNvPicPr>
-            <a:picLocks noChangeAspect="1"/>
-          </p:cNvPicPr>
-          <p:nvPr/>
-        </p:nvPicPr>
-        <p:blipFill>
-          <a:blip r:embed="rId2">
-            <a:extLst>
-              <a:ext uri="{28A0092B-C50C-407E-A947-70E740481C1C}">
-                <a14:useLocalDpi xmlns:a14="http://schemas.microsoft.com/office/drawing/2010/main" val="0"/>
-              </a:ext>
-              <a:ext uri="{96DAC541-7B7A-43D3-8B79-37D633B846F1}">
-                <asvg:svgBlip xmlns:asvg="http://schemas.microsoft.com/office/drawing/2016/SVG/main" r:embed="rId3"/>
-              </a:ext>
-            </a:extLst>
-          </a:blip>
-          <a:stretch>
-            <a:fillRect/>
-          </a:stretch>
-        </p:blipFill>
-        <p:spPr>
-          <a:xfrm>
-            <a:off x="387531" y="359229"/>
-            <a:ext cx="1746069" cy="1746069"/>
-          </a:xfrm>
-          <a:prstGeom prst="rect">
-            <a:avLst/>
-          </a:prstGeom>
-        </p:spPr>
-      </p:pic>
-    </p:spTree>
-    <p:extLst>
-      <p:ext uri="{BB962C8B-B14F-4D97-AF65-F5344CB8AC3E}">
-        <p14:creationId xmlns:p14="http://schemas.microsoft.com/office/powerpoint/2010/main" val="4125776996"/>
-      </p:ext>
-    </p:extLst>
-  </p:cSld>
-  <p:clrMapOvr>
-    <a:masterClrMapping/>
-  </p:clrMapOvr>
-</p:sld>
-</file>
-
-<file path=ppt/slides/slide2.xml><?xml version="1.0" encoding="utf-8"?>
 <p:sld xmlns:a="http://schemas.openxmlformats.org/drawingml/2006/main" xmlns:r="http://schemas.openxmlformats.org/officeDocument/2006/relationships" xmlns:p="http://schemas.openxmlformats.org/presentationml/2006/main">
   <p:cSld>
     <p:spTree>
@@ -5202,10 +5137,10 @@
         </p:nvGrpSpPr>
         <p:grpSpPr>
           <a:xfrm>
-            <a:off x="6017465" y="157292"/>
-            <a:ext cx="447558" cy="375779"/>
-            <a:chOff x="6528460" y="5501246"/>
-            <a:chExt cx="447558" cy="375779"/>
+            <a:off x="6017465" y="102776"/>
+            <a:ext cx="447558" cy="371594"/>
+            <a:chOff x="6528460" y="5498984"/>
+            <a:chExt cx="447558" cy="371594"/>
           </a:xfrm>
         </p:grpSpPr>
         <p:sp>
@@ -5268,7 +5203,7 @@
           </p:nvSpPr>
           <p:spPr>
             <a:xfrm>
-              <a:off x="6528460" y="5507693"/>
+              <a:off x="6528460" y="5498984"/>
               <a:ext cx="447558" cy="369332"/>
             </a:xfrm>
             <a:prstGeom prst="rect">
